--- a/Stone Age.pptx
+++ b/Stone Age.pptx
@@ -9,10 +9,10 @@
   </p:notesMasterIdLst>
   <p:sldIdLst>
     <p:sldId id="260" r:id="rId5"/>
-    <p:sldId id="257" r:id="rId6"/>
-    <p:sldId id="262" r:id="rId7"/>
-    <p:sldId id="263" r:id="rId8"/>
-    <p:sldId id="264" r:id="rId9"/>
+    <p:sldId id="265" r:id="rId6"/>
+    <p:sldId id="267" r:id="rId7"/>
+    <p:sldId id="268" r:id="rId8"/>
+    <p:sldId id="266" r:id="rId9"/>
   </p:sldIdLst>
   <p:sldSz cx="12192000" cy="6858000"/>
   <p:notesSz cx="6858000" cy="9144000"/>
@@ -201,7 +201,7 @@
           <a:p>
             <a:fld id="{4B3F774C-70F7-4ED4-813C-739E51CF8487}" type="datetimeFigureOut">
               <a:rPr lang="en-US" smtClean="0"/>
-              <a:t>5/27/2021</a:t>
+              <a:t>5/30/2021</a:t>
             </a:fld>
             <a:endParaRPr lang="en-US" dirty="0"/>
           </a:p>
@@ -970,7 +970,7 @@
           <a:p>
             <a:fld id="{F9F2E34D-57B0-41D5-A7AF-DF10D1068115}" type="datetime1">
               <a:rPr lang="en-US" smtClean="0"/>
-              <a:t>5/27/2021</a:t>
+              <a:t>5/30/2021</a:t>
             </a:fld>
             <a:endParaRPr lang="en-US" dirty="0"/>
           </a:p>
@@ -1262,7 +1262,7 @@
           <a:p>
             <a:fld id="{DF6E8327-77F4-4A2B-9238-101C8E3404E4}" type="datetime1">
               <a:rPr lang="en-US" smtClean="0"/>
-              <a:t>5/27/2021</a:t>
+              <a:t>5/30/2021</a:t>
             </a:fld>
             <a:endParaRPr lang="en-US" dirty="0"/>
           </a:p>
@@ -1506,7 +1506,7 @@
           <a:p>
             <a:fld id="{5287327A-3B7B-4F18-AD00-4892CF91FF9D}" type="datetime1">
               <a:rPr lang="en-US" smtClean="0"/>
-              <a:t>5/27/2021</a:t>
+              <a:t>5/30/2021</a:t>
             </a:fld>
             <a:endParaRPr lang="en-US" dirty="0"/>
           </a:p>
@@ -2042,7 +2042,7 @@
           <a:p>
             <a:fld id="{84398241-E647-4007-AB01-BB30869910EB}" type="datetime1">
               <a:rPr lang="en-US" smtClean="0"/>
-              <a:t>5/27/2021</a:t>
+              <a:t>5/30/2021</a:t>
             </a:fld>
             <a:endParaRPr lang="en-US" dirty="0"/>
           </a:p>
@@ -2286,7 +2286,7 @@
           <a:p>
             <a:fld id="{A09F5554-C941-4C3B-A197-75ED448862A0}" type="datetime1">
               <a:rPr lang="en-US" smtClean="0"/>
-              <a:t>5/27/2021</a:t>
+              <a:t>5/30/2021</a:t>
             </a:fld>
             <a:endParaRPr lang="en-US" dirty="0"/>
           </a:p>
@@ -2814,7 +2814,7 @@
           <a:p>
             <a:fld id="{DC6B44A0-C3F8-4023-9352-7CF7C034B2C8}" type="datetime1">
               <a:rPr lang="en-US" smtClean="0"/>
-              <a:t>5/27/2021</a:t>
+              <a:t>5/30/2021</a:t>
             </a:fld>
             <a:endParaRPr lang="en-US" dirty="0"/>
           </a:p>
@@ -3107,7 +3107,7 @@
           <a:p>
             <a:fld id="{79C3DC5B-471F-47EA-B884-FE923235A560}" type="datetime1">
               <a:rPr lang="en-US" smtClean="0"/>
-              <a:t>5/27/2021</a:t>
+              <a:t>5/30/2021</a:t>
             </a:fld>
             <a:endParaRPr lang="en-US" dirty="0"/>
           </a:p>
@@ -3277,7 +3277,7 @@
           <a:p>
             <a:fld id="{03F8C408-3247-4796-93FF-B91D6887AEC0}" type="datetime1">
               <a:rPr lang="en-US" smtClean="0"/>
-              <a:t>5/27/2021</a:t>
+              <a:t>5/30/2021</a:t>
             </a:fld>
             <a:endParaRPr lang="en-US" dirty="0"/>
           </a:p>
@@ -3453,7 +3453,7 @@
           <a:p>
             <a:fld id="{BBA1D282-CC74-49F4-B876-75084EFB56F1}" type="datetime1">
               <a:rPr lang="en-US" smtClean="0"/>
-              <a:t>5/27/2021</a:t>
+              <a:t>5/30/2021</a:t>
             </a:fld>
             <a:endParaRPr lang="en-US" dirty="0"/>
           </a:p>
@@ -3619,7 +3619,7 @@
           <a:p>
             <a:fld id="{BF56EAF9-2583-4989-8D87-13F548ED6E0C}" type="datetime1">
               <a:rPr lang="en-US" smtClean="0"/>
-              <a:t>5/27/2021</a:t>
+              <a:t>5/30/2021</a:t>
             </a:fld>
             <a:endParaRPr lang="en-US" dirty="0"/>
           </a:p>
@@ -3866,7 +3866,7 @@
           <a:p>
             <a:fld id="{B70E3CFB-BB1B-4B2A-ADF6-B1A4609854C4}" type="datetime1">
               <a:rPr lang="en-US" smtClean="0"/>
-              <a:t>5/27/2021</a:t>
+              <a:t>5/30/2021</a:t>
             </a:fld>
             <a:endParaRPr lang="en-US" dirty="0"/>
           </a:p>
@@ -4159,7 +4159,7 @@
           <a:p>
             <a:fld id="{2B3AEAA8-1A97-412E-935C-2E918F139579}" type="datetime1">
               <a:rPr lang="en-US" smtClean="0"/>
-              <a:t>5/27/2021</a:t>
+              <a:t>5/30/2021</a:t>
             </a:fld>
             <a:endParaRPr lang="en-US" dirty="0"/>
           </a:p>
@@ -4597,7 +4597,7 @@
           <a:p>
             <a:fld id="{638B0DF1-CA1F-4E36-8C65-C52A9896A8FB}" type="datetime1">
               <a:rPr lang="en-US" smtClean="0"/>
-              <a:t>5/27/2021</a:t>
+              <a:t>5/30/2021</a:t>
             </a:fld>
             <a:endParaRPr lang="en-US" dirty="0"/>
           </a:p>
@@ -4711,7 +4711,7 @@
           <a:p>
             <a:fld id="{DB6173FD-197A-4AD6-8D60-38B6A76F0734}" type="datetime1">
               <a:rPr lang="en-US" smtClean="0"/>
-              <a:t>5/27/2021</a:t>
+              <a:t>5/30/2021</a:t>
             </a:fld>
             <a:endParaRPr lang="en-US" dirty="0"/>
           </a:p>
@@ -4802,7 +4802,7 @@
           <a:p>
             <a:fld id="{6BDC3949-07FA-4C7A-A990-D6D1043EED71}" type="datetime1">
               <a:rPr lang="en-US" smtClean="0"/>
-              <a:t>5/27/2021</a:t>
+              <a:t>5/30/2021</a:t>
             </a:fld>
             <a:endParaRPr lang="en-US" dirty="0"/>
           </a:p>
@@ -5081,7 +5081,7 @@
           <a:p>
             <a:fld id="{2E9E2DE8-6D13-4218-A974-D45AA7B6E4FF}" type="datetime1">
               <a:rPr lang="en-US" smtClean="0"/>
-              <a:t>5/27/2021</a:t>
+              <a:t>5/30/2021</a:t>
             </a:fld>
             <a:endParaRPr lang="en-US" dirty="0"/>
           </a:p>
@@ -5368,7 +5368,7 @@
           <a:p>
             <a:fld id="{9CDAB7D7-4BDA-4ABC-B31D-66201C69A314}" type="datetime1">
               <a:rPr lang="en-US" smtClean="0"/>
-              <a:t>5/27/2021</a:t>
+              <a:t>5/30/2021</a:t>
             </a:fld>
             <a:endParaRPr lang="en-US" dirty="0"/>
           </a:p>
@@ -5894,7 +5894,7 @@
           <a:p>
             <a:fld id="{4E3F0A0B-291C-4112-A023-023C51AB2E85}" type="datetime1">
               <a:rPr lang="en-US" smtClean="0"/>
-              <a:t>5/27/2021</a:t>
+              <a:t>5/30/2021</a:t>
             </a:fld>
             <a:endParaRPr lang="en-US" dirty="0"/>
           </a:p>
@@ -6919,7 +6919,7 @@
         </p:nvSpPr>
         <p:spPr>
           <a:xfrm>
-            <a:off x="1018191" y="2959768"/>
+            <a:off x="1091264" y="2178670"/>
             <a:ext cx="4179452" cy="1250330"/>
           </a:xfrm>
         </p:spPr>
@@ -6956,7 +6956,7 @@
         </p:nvSpPr>
         <p:spPr>
           <a:xfrm>
-            <a:off x="1018190" y="4210098"/>
+            <a:off x="1099457" y="3533702"/>
             <a:ext cx="7178070" cy="863348"/>
           </a:xfrm>
         </p:spPr>
@@ -7515,15 +7515,7 @@
             <a:pPr algn="l"/>
             <a:r>
               <a:rPr lang="en-BE" dirty="0"/>
-              <a:t>Widgets (</a:t>
-            </a:r>
-            <a:r>
-              <a:rPr lang="en-BE" dirty="0" err="1"/>
-              <a:t>QDialog</a:t>
-            </a:r>
-            <a:r>
-              <a:rPr lang="en-BE" dirty="0"/>
-              <a:t>)</a:t>
+              <a:t>Polymorphism : civilisations</a:t>
             </a:r>
             <a:endParaRPr lang="en-US" dirty="0"/>
           </a:p>
@@ -7547,8 +7539,8 @@
         </p:nvSpPr>
         <p:spPr>
           <a:xfrm>
-            <a:off x="1089027" y="1606593"/>
-            <a:ext cx="7411825" cy="3894222"/>
+            <a:off x="1089028" y="1606593"/>
+            <a:ext cx="3948194" cy="3894222"/>
           </a:xfrm>
         </p:spPr>
         <p:txBody>
@@ -7558,69 +7550,222 @@
           <a:lstStyle/>
           <a:p>
             <a:r>
-              <a:rPr lang="nl-BE" sz="1800" dirty="0"/>
-              <a:t>I</a:t>
+              <a:rPr lang="en-BE" sz="1800" dirty="0"/>
+              <a:t>Code </a:t>
             </a:r>
             <a:r>
               <a:rPr lang="en-BE" sz="1800" dirty="0" err="1"/>
-              <a:t>nput</a:t>
-            </a:r>
-            <a:r>
-              <a:rPr lang="en-BE" sz="1800" dirty="0"/>
-              <a:t> is proper</a:t>
-            </a:r>
-          </a:p>
-          <a:p>
-            <a:r>
-              <a:rPr lang="nl-BE" sz="1800" dirty="0"/>
-              <a:t>G</a:t>
-            </a:r>
+              <a:t>duplicatie</a:t>
+            </a:r>
+            <a:endParaRPr lang="en-BE" sz="1800" dirty="0"/>
+          </a:p>
+          <a:p>
             <a:r>
               <a:rPr lang="en-BE" sz="1800" dirty="0" err="1"/>
-              <a:t>especialiseerd</a:t>
+              <a:t>addItems</a:t>
             </a:r>
             <a:endParaRPr lang="en-BE" sz="1800" dirty="0"/>
           </a:p>
           <a:p>
-            <a:r>
-              <a:rPr lang="en-BE" sz="1800" dirty="0" err="1"/>
-              <a:t>Veel</a:t>
-            </a:r>
-            <a:r>
-              <a:rPr lang="en-BE" sz="1800" dirty="0"/>
-              <a:t> </a:t>
-            </a:r>
-            <a:r>
-              <a:rPr lang="en-BE" sz="1800" dirty="0" err="1"/>
-              <a:t>nodig</a:t>
-            </a:r>
             <a:endParaRPr lang="en-BE" sz="1800" dirty="0"/>
           </a:p>
           <a:p>
-            <a:r>
-              <a:rPr lang="nl-BE" sz="1800" dirty="0"/>
-              <a:t>L</a:t>
-            </a:r>
-            <a:r>
-              <a:rPr lang="en-BE" sz="1800" dirty="0" err="1"/>
-              <a:t>ijn</a:t>
-            </a:r>
-            <a:r>
-              <a:rPr lang="en-BE" sz="1800" dirty="0"/>
-              <a:t> model/view </a:t>
-            </a:r>
-            <a:r>
-              <a:rPr lang="en-BE" sz="1800" dirty="0" err="1"/>
-              <a:t>vaag</a:t>
-            </a:r>
             <a:endParaRPr lang="en-BE" sz="1800" dirty="0"/>
+          </a:p>
+          <a:p>
+            <a:endParaRPr lang="en-BE" sz="1800" dirty="0"/>
+          </a:p>
+        </p:txBody>
+      </p:sp>
+      <p:pic>
+        <p:nvPicPr>
+          <p:cNvPr id="11" name="Picture 10">
+            <a:extLst>
+              <a:ext uri="{FF2B5EF4-FFF2-40B4-BE49-F238E27FC236}">
+                <a16:creationId xmlns:a16="http://schemas.microsoft.com/office/drawing/2014/main" id="{AD029FF3-7DDA-4D42-B4B9-2008BAA3AB03}"/>
+              </a:ext>
+            </a:extLst>
+          </p:cNvPr>
+          <p:cNvPicPr>
+            <a:picLocks noChangeAspect="1"/>
+          </p:cNvPicPr>
+          <p:nvPr/>
+        </p:nvPicPr>
+        <p:blipFill rotWithShape="1">
+          <a:blip r:embed="rId2"/>
+          <a:srcRect l="38013" r="29318" b="81185"/>
+          <a:stretch/>
+        </p:blipFill>
+        <p:spPr>
+          <a:xfrm>
+            <a:off x="3879034" y="1695629"/>
+            <a:ext cx="6346597" cy="1720881"/>
+          </a:xfrm>
+          <a:prstGeom prst="rect">
+            <a:avLst/>
+          </a:prstGeom>
+        </p:spPr>
+      </p:pic>
+      <p:sp>
+        <p:nvSpPr>
+          <p:cNvPr id="12" name="Rectangle 11">
+            <a:extLst>
+              <a:ext uri="{FF2B5EF4-FFF2-40B4-BE49-F238E27FC236}">
+                <a16:creationId xmlns:a16="http://schemas.microsoft.com/office/drawing/2014/main" id="{E2D8B8F1-E062-441C-BCB4-9B49CF4DE6BF}"/>
+              </a:ext>
+            </a:extLst>
+          </p:cNvPr>
+          <p:cNvSpPr/>
+          <p:nvPr/>
+        </p:nvSpPr>
+        <p:spPr>
+          <a:xfrm>
+            <a:off x="3564065" y="2971342"/>
+            <a:ext cx="2084804" cy="874294"/>
+          </a:xfrm>
+          <a:prstGeom prst="rect">
+            <a:avLst/>
+          </a:prstGeom>
+          <a:solidFill>
+            <a:srgbClr val="212121"/>
+          </a:solidFill>
+          <a:ln>
+            <a:noFill/>
+          </a:ln>
+        </p:spPr>
+        <p:style>
+          <a:lnRef idx="2">
+            <a:schemeClr val="accent1">
+              <a:shade val="50000"/>
+            </a:schemeClr>
+          </a:lnRef>
+          <a:fillRef idx="1">
+            <a:schemeClr val="accent1"/>
+          </a:fillRef>
+          <a:effectRef idx="0">
+            <a:schemeClr val="accent1"/>
+          </a:effectRef>
+          <a:fontRef idx="minor">
+            <a:schemeClr val="lt1"/>
+          </a:fontRef>
+        </p:style>
+        <p:txBody>
+          <a:bodyPr rtlCol="0" anchor="ctr"/>
+          <a:lstStyle/>
+          <a:p>
+            <a:pPr algn="ctr"/>
+            <a:endParaRPr lang="nl-BE"/>
+          </a:p>
+        </p:txBody>
+      </p:sp>
+      <p:sp>
+        <p:nvSpPr>
+          <p:cNvPr id="22" name="Rectangle 21">
+            <a:extLst>
+              <a:ext uri="{FF2B5EF4-FFF2-40B4-BE49-F238E27FC236}">
+                <a16:creationId xmlns:a16="http://schemas.microsoft.com/office/drawing/2014/main" id="{A0E81068-FA74-4FD6-B27F-4036DE588067}"/>
+              </a:ext>
+            </a:extLst>
+          </p:cNvPr>
+          <p:cNvSpPr/>
+          <p:nvPr/>
+        </p:nvSpPr>
+        <p:spPr>
+          <a:xfrm>
+            <a:off x="7580189" y="3104067"/>
+            <a:ext cx="2645441" cy="188117"/>
+          </a:xfrm>
+          <a:prstGeom prst="rect">
+            <a:avLst/>
+          </a:prstGeom>
+          <a:solidFill>
+            <a:srgbClr val="212121"/>
+          </a:solidFill>
+          <a:ln>
+            <a:noFill/>
+          </a:ln>
+        </p:spPr>
+        <p:style>
+          <a:lnRef idx="2">
+            <a:schemeClr val="accent1">
+              <a:shade val="50000"/>
+            </a:schemeClr>
+          </a:lnRef>
+          <a:fillRef idx="1">
+            <a:schemeClr val="accent1"/>
+          </a:fillRef>
+          <a:effectRef idx="0">
+            <a:schemeClr val="accent1"/>
+          </a:effectRef>
+          <a:fontRef idx="minor">
+            <a:schemeClr val="lt1"/>
+          </a:fontRef>
+        </p:style>
+        <p:txBody>
+          <a:bodyPr rtlCol="0" anchor="ctr"/>
+          <a:lstStyle/>
+          <a:p>
+            <a:pPr algn="ctr"/>
+            <a:endParaRPr lang="nl-BE"/>
+          </a:p>
+        </p:txBody>
+      </p:sp>
+      <p:sp>
+        <p:nvSpPr>
+          <p:cNvPr id="30" name="Rectangle 29">
+            <a:extLst>
+              <a:ext uri="{FF2B5EF4-FFF2-40B4-BE49-F238E27FC236}">
+                <a16:creationId xmlns:a16="http://schemas.microsoft.com/office/drawing/2014/main" id="{4B76F7F8-8D4F-4B74-A86B-776F48FC4A4B}"/>
+              </a:ext>
+            </a:extLst>
+          </p:cNvPr>
+          <p:cNvSpPr/>
+          <p:nvPr/>
+        </p:nvSpPr>
+        <p:spPr>
+          <a:xfrm>
+            <a:off x="4741657" y="3017651"/>
+            <a:ext cx="1211179" cy="360947"/>
+          </a:xfrm>
+          <a:prstGeom prst="rect">
+            <a:avLst/>
+          </a:prstGeom>
+          <a:solidFill>
+            <a:srgbClr val="212121"/>
+          </a:solidFill>
+          <a:ln>
+            <a:noFill/>
+          </a:ln>
+        </p:spPr>
+        <p:style>
+          <a:lnRef idx="2">
+            <a:schemeClr val="accent1">
+              <a:shade val="50000"/>
+            </a:schemeClr>
+          </a:lnRef>
+          <a:fillRef idx="1">
+            <a:schemeClr val="accent1"/>
+          </a:fillRef>
+          <a:effectRef idx="0">
+            <a:schemeClr val="accent1"/>
+          </a:effectRef>
+          <a:fontRef idx="minor">
+            <a:schemeClr val="lt1"/>
+          </a:fontRef>
+        </p:style>
+        <p:txBody>
+          <a:bodyPr rtlCol="0" anchor="ctr"/>
+          <a:lstStyle/>
+          <a:p>
+            <a:pPr algn="ctr"/>
+            <a:endParaRPr lang="nl-BE"/>
           </a:p>
         </p:txBody>
       </p:sp>
     </p:spTree>
     <p:extLst>
       <p:ext uri="{BB962C8B-B14F-4D97-AF65-F5344CB8AC3E}">
-        <p14:creationId xmlns:p14="http://schemas.microsoft.com/office/powerpoint/2010/main" val="990684553"/>
+        <p14:creationId xmlns:p14="http://schemas.microsoft.com/office/powerpoint/2010/main" val="792565167"/>
       </p:ext>
     </p:extLst>
   </p:cSld>
@@ -8144,7 +8289,7 @@
         </p:nvSpPr>
         <p:spPr>
           <a:xfrm>
-            <a:off x="1018191" y="8733"/>
+            <a:off x="970064" y="8733"/>
             <a:ext cx="7411825" cy="1752599"/>
           </a:xfrm>
         </p:spPr>
@@ -8157,7 +8302,7 @@
             <a:pPr algn="l"/>
             <a:r>
               <a:rPr lang="en-BE" dirty="0"/>
-              <a:t>Civilisation inheritance</a:t>
+              <a:t>Low Coupling: Board</a:t>
             </a:r>
             <a:endParaRPr lang="en-US" dirty="0"/>
           </a:p>
@@ -8181,8 +8326,8 @@
         </p:nvSpPr>
         <p:spPr>
           <a:xfrm>
-            <a:off x="1089027" y="1606593"/>
-            <a:ext cx="7411825" cy="3894222"/>
+            <a:off x="1089028" y="1606593"/>
+            <a:ext cx="5793036" cy="3894222"/>
           </a:xfrm>
         </p:spPr>
         <p:txBody>
@@ -8193,11 +8338,29 @@
           <a:p>
             <a:r>
               <a:rPr lang="nl-BE" sz="1800" dirty="0"/>
-              <a:t>O</a:t>
+              <a:t>F</a:t>
+            </a:r>
+            <a:r>
+              <a:rPr lang="en-BE" sz="1800" dirty="0"/>
+              <a:t>unties simple/</a:t>
             </a:r>
             <a:r>
               <a:rPr lang="en-BE" sz="1800" dirty="0" err="1"/>
-              <a:t>nderkanten</a:t>
+              <a:t>geen</a:t>
+            </a:r>
+            <a:r>
+              <a:rPr lang="en-BE" sz="1800" dirty="0"/>
+              <a:t> parameters</a:t>
+            </a:r>
+          </a:p>
+          <a:p>
+            <a:r>
+              <a:rPr lang="nl-BE" sz="1800" dirty="0"/>
+              <a:t>G</a:t>
+            </a:r>
+            <a:r>
+              <a:rPr lang="en-BE" sz="1800" dirty="0" err="1"/>
+              <a:t>een</a:t>
             </a:r>
             <a:r>
               <a:rPr lang="en-BE" sz="1800" dirty="0"/>
@@ -8205,49 +8368,97 @@
             </a:r>
             <a:r>
               <a:rPr lang="en-BE" sz="1800" dirty="0" err="1"/>
-              <a:t>gelijkend</a:t>
+              <a:t>dependecies</a:t>
             </a:r>
             <a:endParaRPr lang="en-BE" sz="1800" dirty="0"/>
           </a:p>
-          <a:p>
-            <a:r>
-              <a:rPr lang="nl-BE" sz="1800" dirty="0"/>
-              <a:t>B</a:t>
-            </a:r>
-            <a:r>
-              <a:rPr lang="en-BE" sz="1800" dirty="0" err="1"/>
-              <a:t>ovekant</a:t>
-            </a:r>
-            <a:r>
-              <a:rPr lang="en-BE" sz="1800" dirty="0"/>
-              <a:t> in child</a:t>
-            </a:r>
-          </a:p>
-          <a:p>
-            <a:r>
-              <a:rPr lang="nl-BE" sz="1800" dirty="0"/>
-              <a:t>V</a:t>
-            </a:r>
-            <a:r>
-              <a:rPr lang="en-BE" sz="1800" dirty="0" err="1"/>
-              <a:t>ermijdt</a:t>
-            </a:r>
-            <a:r>
-              <a:rPr lang="en-BE" sz="1800" dirty="0"/>
-              <a:t> code </a:t>
-            </a:r>
-            <a:r>
-              <a:rPr lang="en-BE" sz="1800" dirty="0" err="1"/>
-              <a:t>duplicatie</a:t>
-            </a:r>
-            <a:endParaRPr lang="en-BE" sz="1800" dirty="0"/>
+        </p:txBody>
+      </p:sp>
+      <p:pic>
+        <p:nvPicPr>
+          <p:cNvPr id="6" name="Picture 5">
+            <a:extLst>
+              <a:ext uri="{FF2B5EF4-FFF2-40B4-BE49-F238E27FC236}">
+                <a16:creationId xmlns:a16="http://schemas.microsoft.com/office/drawing/2014/main" id="{EA401D6D-391B-4969-9227-BDD2CE567CAF}"/>
+              </a:ext>
+            </a:extLst>
+          </p:cNvPr>
+          <p:cNvPicPr>
+            <a:picLocks noChangeAspect="1"/>
+          </p:cNvPicPr>
+          <p:nvPr/>
+        </p:nvPicPr>
+        <p:blipFill rotWithShape="1">
+          <a:blip r:embed="rId2"/>
+          <a:srcRect l="2389" t="1275" r="2555" b="1297"/>
+          <a:stretch/>
+        </p:blipFill>
+        <p:spPr>
+          <a:xfrm>
+            <a:off x="7186862" y="96253"/>
+            <a:ext cx="2852485" cy="6681536"/>
+          </a:xfrm>
+          <a:prstGeom prst="rect">
+            <a:avLst/>
+          </a:prstGeom>
+        </p:spPr>
+      </p:pic>
+      <p:sp>
+        <p:nvSpPr>
+          <p:cNvPr id="7" name="Rectangle 6">
+            <a:extLst>
+              <a:ext uri="{FF2B5EF4-FFF2-40B4-BE49-F238E27FC236}">
+                <a16:creationId xmlns:a16="http://schemas.microsoft.com/office/drawing/2014/main" id="{504A19F9-71F7-40C8-A37D-D210D0E4D050}"/>
+              </a:ext>
+            </a:extLst>
+          </p:cNvPr>
+          <p:cNvSpPr/>
+          <p:nvPr/>
+        </p:nvSpPr>
+        <p:spPr>
+          <a:xfrm>
+            <a:off x="7191375" y="2782888"/>
+            <a:ext cx="2640933" cy="152817"/>
+          </a:xfrm>
+          <a:prstGeom prst="rect">
+            <a:avLst/>
+          </a:prstGeom>
+          <a:solidFill>
+            <a:srgbClr val="7ACFF5"/>
+          </a:solidFill>
+          <a:ln>
+            <a:noFill/>
+          </a:ln>
+        </p:spPr>
+        <p:style>
+          <a:lnRef idx="2">
+            <a:schemeClr val="accent1">
+              <a:shade val="50000"/>
+            </a:schemeClr>
+          </a:lnRef>
+          <a:fillRef idx="1">
+            <a:schemeClr val="accent1"/>
+          </a:fillRef>
+          <a:effectRef idx="0">
+            <a:schemeClr val="accent1"/>
+          </a:effectRef>
+          <a:fontRef idx="minor">
+            <a:schemeClr val="lt1"/>
+          </a:fontRef>
+        </p:style>
+        <p:txBody>
+          <a:bodyPr rtlCol="0" anchor="ctr"/>
+          <a:lstStyle/>
+          <a:p>
+            <a:pPr algn="ctr"/>
+            <a:endParaRPr lang="nl-BE"/>
           </a:p>
         </p:txBody>
       </p:sp>
     </p:spTree>
     <p:extLst>
       <p:ext uri="{BB962C8B-B14F-4D97-AF65-F5344CB8AC3E}">
-        <p14:creationId xmlns:p14="http://schemas.microsoft.com/office/powerpoint/2010/main" val="2991654507"/>
+        <p14:creationId xmlns:p14="http://schemas.microsoft.com/office/powerpoint/2010/main" val="2288675494"/>
       </p:ext>
     </p:extLst>
   </p:cSld>
@@ -8771,7 +8982,7 @@
         </p:nvSpPr>
         <p:spPr>
           <a:xfrm>
-            <a:off x="1018191" y="8733"/>
+            <a:off x="970064" y="8733"/>
             <a:ext cx="7411825" cy="1752599"/>
           </a:xfrm>
         </p:spPr>
@@ -8784,7 +8995,7 @@
             <a:pPr algn="l"/>
             <a:r>
               <a:rPr lang="en-BE" dirty="0"/>
-              <a:t>Load new game</a:t>
+              <a:t>Information Expert : Widgets</a:t>
             </a:r>
             <a:endParaRPr lang="en-US" dirty="0"/>
           </a:p>
@@ -8808,8 +9019,8 @@
         </p:nvSpPr>
         <p:spPr>
           <a:xfrm>
-            <a:off x="1089027" y="1606593"/>
-            <a:ext cx="7411825" cy="3894222"/>
+            <a:off x="1089028" y="1606593"/>
+            <a:ext cx="4554531" cy="3894222"/>
           </a:xfrm>
         </p:spPr>
         <p:txBody>
@@ -8820,39 +9031,11 @@
           <a:p>
             <a:r>
               <a:rPr lang="nl-BE" sz="1800" dirty="0"/>
-              <a:t>B</a:t>
+              <a:t>H</a:t>
             </a:r>
             <a:r>
               <a:rPr lang="en-BE" sz="1800" dirty="0" err="1"/>
-              <a:t>espaart</a:t>
-            </a:r>
-            <a:r>
-              <a:rPr lang="en-BE" sz="1800" dirty="0"/>
-              <a:t> code</a:t>
-            </a:r>
-          </a:p>
-          <a:p>
-            <a:r>
-              <a:rPr lang="nl-BE" sz="1800" dirty="0"/>
-              <a:t>S</a:t>
-            </a:r>
-            <a:r>
-              <a:rPr lang="en-BE" sz="1800" dirty="0" err="1"/>
-              <a:t>ave</a:t>
-            </a:r>
-            <a:r>
-              <a:rPr lang="en-BE" sz="1800" dirty="0"/>
-              <a:t> file up-to-date</a:t>
-            </a:r>
-          </a:p>
-          <a:p>
-            <a:r>
-              <a:rPr lang="nl-BE" sz="1800" dirty="0"/>
-              <a:t>L</a:t>
-            </a:r>
-            <a:r>
-              <a:rPr lang="en-BE" sz="1800" dirty="0" err="1"/>
-              <a:t>oad</a:t>
+              <a:t>ebben</a:t>
             </a:r>
             <a:r>
               <a:rPr lang="en-BE" sz="1800" dirty="0"/>
@@ -8860,22 +9043,53 @@
             </a:r>
             <a:r>
               <a:rPr lang="en-BE" sz="1800" dirty="0" err="1"/>
-              <a:t>moet</a:t>
+              <a:t>nodige</a:t>
             </a:r>
             <a:r>
               <a:rPr lang="en-BE" sz="1800" dirty="0"/>
-              <a:t> robust</a:t>
-            </a:r>
-          </a:p>
-          <a:p>
+              <a:t> </a:t>
+            </a:r>
+            <a:r>
+              <a:rPr lang="en-BE" sz="1800" dirty="0" err="1"/>
+              <a:t>informatie</a:t>
+            </a:r>
             <a:endParaRPr lang="en-BE" sz="1800" dirty="0"/>
           </a:p>
         </p:txBody>
       </p:sp>
+      <p:pic>
+        <p:nvPicPr>
+          <p:cNvPr id="5" name="Picture 4">
+            <a:extLst>
+              <a:ext uri="{FF2B5EF4-FFF2-40B4-BE49-F238E27FC236}">
+                <a16:creationId xmlns:a16="http://schemas.microsoft.com/office/drawing/2014/main" id="{3E8594F0-DE4E-4F76-8CF0-C69C1A28A1C9}"/>
+              </a:ext>
+            </a:extLst>
+          </p:cNvPr>
+          <p:cNvPicPr>
+            <a:picLocks noChangeAspect="1"/>
+          </p:cNvPicPr>
+          <p:nvPr/>
+        </p:nvPicPr>
+        <p:blipFill rotWithShape="1">
+          <a:blip r:embed="rId2"/>
+          <a:srcRect l="648" t="954" r="1061" b="2043"/>
+          <a:stretch/>
+        </p:blipFill>
+        <p:spPr>
+          <a:xfrm>
+            <a:off x="5648321" y="1493519"/>
+            <a:ext cx="3314700" cy="2910841"/>
+          </a:xfrm>
+          <a:prstGeom prst="rect">
+            <a:avLst/>
+          </a:prstGeom>
+        </p:spPr>
+      </p:pic>
     </p:spTree>
     <p:extLst>
       <p:ext uri="{BB962C8B-B14F-4D97-AF65-F5344CB8AC3E}">
-        <p14:creationId xmlns:p14="http://schemas.microsoft.com/office/powerpoint/2010/main" val="1374300164"/>
+        <p14:creationId xmlns:p14="http://schemas.microsoft.com/office/powerpoint/2010/main" val="3656050517"/>
       </p:ext>
     </p:extLst>
   </p:cSld>
@@ -9399,7 +9613,7 @@
         </p:nvSpPr>
         <p:spPr>
           <a:xfrm>
-            <a:off x="1018191" y="8733"/>
+            <a:off x="970064" y="8733"/>
             <a:ext cx="7411825" cy="1752599"/>
           </a:xfrm>
         </p:spPr>
@@ -9412,7 +9626,7 @@
             <a:pPr algn="l"/>
             <a:r>
               <a:rPr lang="en-BE" dirty="0"/>
-              <a:t>Resource Enum</a:t>
+              <a:t>High cohesion: Player</a:t>
             </a:r>
             <a:endParaRPr lang="en-US" dirty="0"/>
           </a:p>
@@ -9436,8 +9650,8 @@
         </p:nvSpPr>
         <p:spPr>
           <a:xfrm>
-            <a:off x="1089027" y="1606593"/>
-            <a:ext cx="7411825" cy="3894222"/>
+            <a:off x="1089028" y="1606593"/>
+            <a:ext cx="5793036" cy="3894222"/>
           </a:xfrm>
         </p:spPr>
         <p:txBody>
@@ -9447,46 +9661,63 @@
           <a:lstStyle/>
           <a:p>
             <a:r>
+              <a:rPr lang="en-BE" sz="1800" dirty="0" err="1"/>
+              <a:t>Functies</a:t>
+            </a:r>
+            <a:r>
+              <a:rPr lang="en-BE" sz="1800" dirty="0"/>
+              <a:t> over player</a:t>
+            </a:r>
+          </a:p>
+          <a:p>
+            <a:r>
               <a:rPr lang="nl-BE" sz="1800" dirty="0"/>
-              <a:t>M</a:t>
+              <a:t>I</a:t>
             </a:r>
             <a:r>
               <a:rPr lang="en-BE" sz="1800" dirty="0" err="1"/>
-              <a:t>inder</a:t>
+              <a:t>nformation</a:t>
             </a:r>
             <a:r>
               <a:rPr lang="en-BE" sz="1800" dirty="0"/>
-              <a:t> magic numbers</a:t>
-            </a:r>
-          </a:p>
-          <a:p>
-            <a:r>
-              <a:rPr lang="nl-BE" sz="1800" dirty="0"/>
-              <a:t>B</a:t>
-            </a:r>
-            <a:r>
-              <a:rPr lang="en-BE" sz="1800" dirty="0" err="1"/>
-              <a:t>eter</a:t>
-            </a:r>
-            <a:r>
-              <a:rPr lang="en-BE" sz="1800" dirty="0"/>
-              <a:t> </a:t>
-            </a:r>
-            <a:r>
-              <a:rPr lang="en-BE" sz="1800" dirty="0" err="1"/>
-              <a:t>leesbaar</a:t>
-            </a:r>
-            <a:endParaRPr lang="en-BE" sz="1800"/>
-          </a:p>
-          <a:p>
-            <a:endParaRPr lang="en-BE" sz="1800" dirty="0"/>
-          </a:p>
-        </p:txBody>
-      </p:sp>
+              <a:t> expert</a:t>
+            </a:r>
+          </a:p>
+        </p:txBody>
+      </p:sp>
+      <p:pic>
+        <p:nvPicPr>
+          <p:cNvPr id="5" name="Picture 4">
+            <a:extLst>
+              <a:ext uri="{FF2B5EF4-FFF2-40B4-BE49-F238E27FC236}">
+                <a16:creationId xmlns:a16="http://schemas.microsoft.com/office/drawing/2014/main" id="{A706AC5A-8E69-4492-A9F5-2305CE68ABC0}"/>
+              </a:ext>
+            </a:extLst>
+          </p:cNvPr>
+          <p:cNvPicPr>
+            <a:picLocks noChangeAspect="1"/>
+          </p:cNvPicPr>
+          <p:nvPr/>
+        </p:nvPicPr>
+        <p:blipFill rotWithShape="1">
+          <a:blip r:embed="rId2"/>
+          <a:srcRect l="624" t="839" r="1870" b="926"/>
+          <a:stretch/>
+        </p:blipFill>
+        <p:spPr>
+          <a:xfrm>
+            <a:off x="7066102" y="60514"/>
+            <a:ext cx="3769895" cy="6736972"/>
+          </a:xfrm>
+          <a:prstGeom prst="rect">
+            <a:avLst/>
+          </a:prstGeom>
+        </p:spPr>
+      </p:pic>
     </p:spTree>
     <p:extLst>
       <p:ext uri="{BB962C8B-B14F-4D97-AF65-F5344CB8AC3E}">
-        <p14:creationId xmlns:p14="http://schemas.microsoft.com/office/powerpoint/2010/main" val="1686381986"/>
+        <p14:creationId xmlns:p14="http://schemas.microsoft.com/office/powerpoint/2010/main" val="61877336"/>
       </p:ext>
     </p:extLst>
   </p:cSld>
